--- a/RelTabellenStruktur.pptx
+++ b/RelTabellenStruktur.pptx
@@ -104,6 +104,11 @@
       </a:defRPr>
     </a:lvl9pPr>
   </p:defaultTextStyle>
+  <p:extLst>
+    <p:ext uri="{EFAFB233-063F-42B5-8137-9DF3F51BA10A}">
+      <p15:sldGuideLst xmlns:p15="http://schemas.microsoft.com/office/powerpoint/2012/main"/>
+    </p:ext>
+  </p:extLst>
 </p:presentation>
 </file>
 
@@ -3017,14 +3022,14 @@
           <a:p>
             <a:pPr algn="ctr"/>
             <a:r>
-              <a:rPr lang="de-DE" u="sng" dirty="0" err="1">
+              <a:rPr lang="de-DE" sz="1200" u="sng" dirty="0" err="1">
                 <a:solidFill>
                   <a:schemeClr val="tx1"/>
                 </a:solidFill>
               </a:rPr>
               <a:t>MobileObject</a:t>
             </a:r>
-            <a:endParaRPr lang="de-DE" u="sng" dirty="0">
+            <a:endParaRPr lang="de-DE" sz="1200" u="sng" dirty="0">
               <a:solidFill>
                 <a:schemeClr val="tx1"/>
               </a:solidFill>
@@ -3033,7 +3038,7 @@
           <a:p>
             <a:pPr algn="ctr"/>
             <a:r>
-              <a:rPr lang="de-DE" dirty="0">
+              <a:rPr lang="de-DE" sz="1200" dirty="0">
                 <a:solidFill>
                   <a:schemeClr val="tx1"/>
                 </a:solidFill>
@@ -3044,7 +3049,7 @@
           <a:p>
             <a:pPr algn="ctr"/>
             <a:r>
-              <a:rPr lang="de-DE" dirty="0">
+              <a:rPr lang="de-DE" sz="1200" dirty="0">
                 <a:solidFill>
                   <a:schemeClr val="tx1"/>
                 </a:solidFill>
@@ -3055,7 +3060,7 @@
           <a:p>
             <a:pPr algn="ctr"/>
             <a:r>
-              <a:rPr lang="de-DE" dirty="0">
+              <a:rPr lang="de-DE" sz="1200" dirty="0">
                 <a:solidFill>
                   <a:schemeClr val="tx1"/>
                 </a:solidFill>
@@ -3114,7 +3119,7 @@
           <a:p>
             <a:pPr algn="ctr"/>
             <a:r>
-              <a:rPr lang="de-DE" u="sng" dirty="0">
+              <a:rPr lang="de-DE" sz="1200" u="sng" dirty="0">
                 <a:solidFill>
                   <a:schemeClr val="tx1"/>
                 </a:solidFill>
@@ -3125,7 +3130,7 @@
           <a:p>
             <a:pPr algn="ctr"/>
             <a:r>
-              <a:rPr lang="de-DE" dirty="0">
+              <a:rPr lang="de-DE" sz="1200" dirty="0">
                 <a:solidFill>
                   <a:schemeClr val="tx1"/>
                 </a:solidFill>
@@ -3136,7 +3141,7 @@
           <a:p>
             <a:pPr algn="ctr"/>
             <a:r>
-              <a:rPr lang="de-DE" dirty="0">
+              <a:rPr lang="de-DE" sz="1200" dirty="0">
                 <a:solidFill>
                   <a:schemeClr val="tx1"/>
                 </a:solidFill>
@@ -3147,7 +3152,7 @@
           <a:p>
             <a:pPr algn="ctr"/>
             <a:r>
-              <a:rPr lang="de-DE" dirty="0">
+              <a:rPr lang="de-DE" sz="1200" dirty="0">
                 <a:solidFill>
                   <a:schemeClr val="tx1"/>
                 </a:solidFill>
@@ -3158,7 +3163,7 @@
           <a:p>
             <a:pPr algn="ctr"/>
             <a:r>
-              <a:rPr lang="de-DE" dirty="0">
+              <a:rPr lang="de-DE" sz="1200" dirty="0">
                 <a:solidFill>
                   <a:schemeClr val="tx1"/>
                 </a:solidFill>
@@ -3217,14 +3222,14 @@
           <a:p>
             <a:pPr algn="ctr"/>
             <a:r>
-              <a:rPr lang="de-DE" u="sng" dirty="0" err="1">
+              <a:rPr lang="de-DE" sz="1200" u="sng" dirty="0" err="1">
                 <a:solidFill>
                   <a:schemeClr val="tx1"/>
                 </a:solidFill>
               </a:rPr>
               <a:t>PROB_IS_AT_O_To_P</a:t>
             </a:r>
-            <a:endParaRPr lang="de-DE" u="sng" dirty="0">
+            <a:endParaRPr lang="de-DE" sz="1200" u="sng" dirty="0">
               <a:solidFill>
                 <a:schemeClr val="tx1"/>
               </a:solidFill>
@@ -3233,7 +3238,7 @@
           <a:p>
             <a:pPr algn="ctr"/>
             <a:r>
-              <a:rPr lang="de-DE" dirty="0">
+              <a:rPr lang="de-DE" sz="1200" dirty="0">
                 <a:solidFill>
                   <a:schemeClr val="tx1"/>
                 </a:solidFill>
@@ -3244,7 +3249,7 @@
           <a:p>
             <a:pPr algn="ctr"/>
             <a:r>
-              <a:rPr lang="de-DE" dirty="0">
+              <a:rPr lang="de-DE" sz="1200" dirty="0">
                 <a:solidFill>
                   <a:schemeClr val="tx1"/>
                 </a:solidFill>
@@ -3341,7 +3346,7 @@
         <p:spPr>
           <a:xfrm>
             <a:off x="2308087" y="1020012"/>
-            <a:ext cx="439544" cy="293478"/>
+            <a:ext cx="420308" cy="276999"/>
           </a:xfrm>
           <a:prstGeom prst="rect">
             <a:avLst/>
@@ -3355,7 +3360,7 @@
           <a:lstStyle/>
           <a:p>
             <a:r>
-              <a:rPr lang="de-DE" dirty="0"/>
+              <a:rPr lang="de-DE" sz="1200" dirty="0"/>
               <a:t>OID</a:t>
             </a:r>
           </a:p>
@@ -3370,7 +3375,7 @@
         <p:spPr>
           <a:xfrm>
             <a:off x="4645915" y="1020012"/>
-            <a:ext cx="415498" cy="293478"/>
+            <a:ext cx="397866" cy="276999"/>
           </a:xfrm>
           <a:prstGeom prst="rect">
             <a:avLst/>
@@ -3384,7 +3389,7 @@
           <a:lstStyle/>
           <a:p>
             <a:r>
-              <a:rPr lang="de-DE" dirty="0"/>
+              <a:rPr lang="de-DE" sz="1200" dirty="0"/>
               <a:t>PID</a:t>
             </a:r>
           </a:p>
@@ -3439,14 +3444,14 @@
           <a:p>
             <a:pPr algn="ctr"/>
             <a:r>
-              <a:rPr lang="de-DE" u="sng" dirty="0" err="1">
+              <a:rPr lang="de-DE" sz="1200" u="sng" dirty="0" err="1">
                 <a:solidFill>
                   <a:schemeClr val="tx1"/>
                 </a:solidFill>
               </a:rPr>
               <a:t>PROB_IS_AT_O_To_O</a:t>
             </a:r>
-            <a:endParaRPr lang="de-DE" u="sng" dirty="0">
+            <a:endParaRPr lang="de-DE" sz="1200" u="sng" dirty="0">
               <a:solidFill>
                 <a:schemeClr val="tx1"/>
               </a:solidFill>
@@ -3455,14 +3460,14 @@
           <a:p>
             <a:pPr algn="ctr"/>
             <a:r>
-              <a:rPr lang="de-DE" dirty="0" err="1">
+              <a:rPr lang="de-DE" sz="1200" dirty="0" err="1">
                 <a:solidFill>
                   <a:schemeClr val="tx1"/>
                 </a:solidFill>
               </a:rPr>
               <a:t>OIDin</a:t>
             </a:r>
-            <a:endParaRPr lang="de-DE" dirty="0">
+            <a:endParaRPr lang="de-DE" sz="1200" dirty="0">
               <a:solidFill>
                 <a:schemeClr val="tx1"/>
               </a:solidFill>
@@ -3471,14 +3476,14 @@
           <a:p>
             <a:pPr algn="ctr"/>
             <a:r>
-              <a:rPr lang="de-DE" dirty="0" err="1">
+              <a:rPr lang="de-DE" sz="1200" dirty="0" err="1">
                 <a:solidFill>
                   <a:schemeClr val="tx1"/>
                 </a:solidFill>
               </a:rPr>
               <a:t>OIDout</a:t>
             </a:r>
-            <a:endParaRPr lang="de-DE" dirty="0">
+            <a:endParaRPr lang="de-DE" sz="1200" dirty="0">
               <a:solidFill>
                 <a:schemeClr val="tx1"/>
               </a:solidFill>
@@ -3534,7 +3539,7 @@
         <p:spPr>
           <a:xfrm>
             <a:off x="1418890" y="1947404"/>
-            <a:ext cx="566181" cy="293478"/>
+            <a:ext cx="535724" cy="276999"/>
           </a:xfrm>
           <a:prstGeom prst="rect">
             <a:avLst/>
@@ -3548,10 +3553,10 @@
           <a:lstStyle/>
           <a:p>
             <a:r>
-              <a:rPr lang="de-DE" dirty="0" err="1"/>
+              <a:rPr lang="de-DE" sz="1200" dirty="0" err="1"/>
               <a:t>OIDin</a:t>
             </a:r>
-            <a:endParaRPr lang="de-DE" dirty="0"/>
+            <a:endParaRPr lang="de-DE" sz="1200" dirty="0"/>
           </a:p>
         </p:txBody>
       </p:sp>
@@ -3605,7 +3610,7 @@
         <p:spPr>
           <a:xfrm>
             <a:off x="350810" y="1955593"/>
-            <a:ext cx="671979" cy="293478"/>
+            <a:ext cx="633507" cy="276999"/>
           </a:xfrm>
           <a:prstGeom prst="rect">
             <a:avLst/>
@@ -3619,10 +3624,10 @@
           <a:lstStyle/>
           <a:p>
             <a:r>
-              <a:rPr lang="de-DE" dirty="0" err="1"/>
+              <a:rPr lang="de-DE" sz="1200" dirty="0" err="1"/>
               <a:t>OIDout</a:t>
             </a:r>
-            <a:endParaRPr lang="de-DE" dirty="0"/>
+            <a:endParaRPr lang="de-DE" sz="1200" dirty="0"/>
           </a:p>
         </p:txBody>
       </p:sp>
